--- a/2차 발표.pptx
+++ b/2차 발표.pptx
@@ -282,7 +282,7 @@
                 </a:solidFill>
               </a:rPr>
               <a:pPr/>
-              <a:t>2023-11-11</a:t>
+              <a:t>2023-11-12</a:t>
             </a:fld>
             <a:endParaRPr lang="ko-KR" altLang="en-US">
               <a:solidFill>
@@ -512,7 +512,7 @@
                 </a:solidFill>
               </a:rPr>
               <a:pPr/>
-              <a:t>2023-11-11</a:t>
+              <a:t>2023-11-12</a:t>
             </a:fld>
             <a:endParaRPr lang="ko-KR" altLang="en-US">
               <a:solidFill>
@@ -752,7 +752,7 @@
                 </a:solidFill>
               </a:rPr>
               <a:pPr/>
-              <a:t>2023-11-11</a:t>
+              <a:t>2023-11-12</a:t>
             </a:fld>
             <a:endParaRPr lang="ko-KR" altLang="en-US">
               <a:solidFill>
@@ -982,7 +982,7 @@
                 </a:solidFill>
               </a:rPr>
               <a:pPr/>
-              <a:t>2023-11-11</a:t>
+              <a:t>2023-11-12</a:t>
             </a:fld>
             <a:endParaRPr lang="ko-KR" altLang="en-US">
               <a:solidFill>
@@ -1289,7 +1289,7 @@
                 </a:solidFill>
               </a:rPr>
               <a:pPr/>
-              <a:t>2023-11-11</a:t>
+              <a:t>2023-11-12</a:t>
             </a:fld>
             <a:endParaRPr lang="ko-KR" altLang="en-US">
               <a:solidFill>
@@ -1586,7 +1586,7 @@
                 </a:solidFill>
               </a:rPr>
               <a:pPr/>
-              <a:t>2023-11-11</a:t>
+              <a:t>2023-11-12</a:t>
             </a:fld>
             <a:endParaRPr lang="ko-KR" altLang="en-US">
               <a:solidFill>
@@ -2030,7 +2030,7 @@
                 </a:solidFill>
               </a:rPr>
               <a:pPr/>
-              <a:t>2023-11-11</a:t>
+              <a:t>2023-11-12</a:t>
             </a:fld>
             <a:endParaRPr lang="ko-KR" altLang="en-US">
               <a:solidFill>
@@ -2203,7 +2203,7 @@
                 </a:solidFill>
               </a:rPr>
               <a:pPr/>
-              <a:t>2023-11-11</a:t>
+              <a:t>2023-11-12</a:t>
             </a:fld>
             <a:endParaRPr lang="ko-KR" altLang="en-US">
               <a:solidFill>
@@ -2348,7 +2348,7 @@
                 </a:solidFill>
               </a:rPr>
               <a:pPr/>
-              <a:t>2023-11-11</a:t>
+              <a:t>2023-11-12</a:t>
             </a:fld>
             <a:endParaRPr lang="ko-KR" altLang="en-US">
               <a:solidFill>
@@ -2691,7 +2691,7 @@
                 </a:solidFill>
               </a:rPr>
               <a:pPr/>
-              <a:t>2023-11-11</a:t>
+              <a:t>2023-11-12</a:t>
             </a:fld>
             <a:endParaRPr lang="ko-KR" altLang="en-US">
               <a:solidFill>
@@ -3011,7 +3011,7 @@
                 </a:solidFill>
               </a:rPr>
               <a:pPr/>
-              <a:t>2023-11-11</a:t>
+              <a:t>2023-11-12</a:t>
             </a:fld>
             <a:endParaRPr lang="ko-KR" altLang="en-US">
               <a:solidFill>
@@ -3284,7 +3284,7 @@
                 </a:solidFill>
               </a:rPr>
               <a:pPr/>
-              <a:t>2023-11-11</a:t>
+              <a:t>2023-11-12</a:t>
             </a:fld>
             <a:endParaRPr lang="ko-KR" altLang="en-US">
               <a:solidFill>
@@ -5646,14 +5646,14 @@
           <p:nvPr>
             <p:extLst>
               <p:ext uri="{D42A27DB-BD31-4B8C-83A1-F6EECF244321}">
-                <p14:modId xmlns:p14="http://schemas.microsoft.com/office/powerpoint/2010/main" val="2396671439"/>
+                <p14:modId xmlns:p14="http://schemas.microsoft.com/office/powerpoint/2010/main" val="4090269687"/>
               </p:ext>
             </p:extLst>
           </p:nvPr>
         </p:nvGraphicFramePr>
         <p:xfrm>
           <a:off x="1102360" y="1765385"/>
-          <a:ext cx="9729066" cy="4224500"/>
+          <a:ext cx="9729066" cy="4608520"/>
         </p:xfrm>
         <a:graphic>
           <a:graphicData uri="http://schemas.openxmlformats.org/drawingml/2006/table">
@@ -5676,10 +5676,17 @@
                     </a:ext>
                   </a:extLst>
                 </a:gridCol>
-                <a:gridCol w="4613945">
+                <a:gridCol w="1386504">
                   <a:extLst>
                     <a:ext uri="{9D8B030D-6E8A-4147-A177-3AD203B41FA5}">
                       <a16:colId xmlns:a16="http://schemas.microsoft.com/office/drawing/2014/main" val="643306523"/>
+                    </a:ext>
+                  </a:extLst>
+                </a:gridCol>
+                <a:gridCol w="3227441">
+                  <a:extLst>
+                    <a:ext uri="{9D8B030D-6E8A-4147-A177-3AD203B41FA5}">
+                      <a16:colId xmlns:a16="http://schemas.microsoft.com/office/drawing/2014/main" val="3958153086"/>
                     </a:ext>
                   </a:extLst>
                 </a:gridCol>
@@ -5720,7 +5727,7 @@
                   </a:txBody>
                   <a:tcPr/>
                 </a:tc>
-                <a:tc>
+                <a:tc gridSpan="2">
                   <a:txBody>
                     <a:bodyPr/>
                     <a:lstStyle/>
@@ -5750,6 +5757,17 @@
                   </a:txBody>
                   <a:tcPr/>
                 </a:tc>
+                <a:tc hMerge="1">
+                  <a:txBody>
+                    <a:bodyPr/>
+                    <a:lstStyle/>
+                    <a:p>
+                      <a:pPr latinLnBrk="1"/>
+                      <a:endParaRPr lang="ko-KR" altLang="en-US"/>
+                    </a:p>
+                  </a:txBody>
+                  <a:tcPr/>
+                </a:tc>
                 <a:tc>
                   <a:txBody>
                     <a:bodyPr/>
@@ -5835,7 +5853,7 @@
                   </a:txBody>
                   <a:tcPr/>
                 </a:tc>
-                <a:tc>
+                <a:tc gridSpan="2">
                   <a:txBody>
                     <a:bodyPr/>
                     <a:lstStyle/>
@@ -5878,6 +5896,17 @@
                         <a:t>클래스 다이어그램 검토 및 생성하기</a:t>
                       </a:r>
                       <a:endParaRPr lang="en-US" altLang="ko-KR" sz="1200" dirty="0"/>
+                    </a:p>
+                  </a:txBody>
+                  <a:tcPr/>
+                </a:tc>
+                <a:tc hMerge="1">
+                  <a:txBody>
+                    <a:bodyPr/>
+                    <a:lstStyle/>
+                    <a:p>
+                      <a:pPr latinLnBrk="1"/>
+                      <a:endParaRPr lang="ko-KR" altLang="en-US"/>
                     </a:p>
                   </a:txBody>
                   <a:tcPr/>
@@ -5936,7 +5965,7 @@
                   </a:txBody>
                   <a:tcPr/>
                 </a:tc>
-                <a:tc>
+                <a:tc gridSpan="2">
                   <a:txBody>
                     <a:bodyPr/>
                     <a:lstStyle/>
@@ -6042,6 +6071,17 @@
                   </a:txBody>
                   <a:tcPr/>
                 </a:tc>
+                <a:tc hMerge="1">
+                  <a:txBody>
+                    <a:bodyPr/>
+                    <a:lstStyle/>
+                    <a:p>
+                      <a:pPr latinLnBrk="1"/>
+                      <a:endParaRPr lang="ko-KR" altLang="en-US"/>
+                    </a:p>
+                  </a:txBody>
+                  <a:tcPr/>
+                </a:tc>
                 <a:tc>
                   <a:txBody>
                     <a:bodyPr/>
@@ -6111,7 +6151,7 @@
                   </a:txBody>
                   <a:tcPr/>
                 </a:tc>
-                <a:tc>
+                <a:tc gridSpan="2">
                   <a:txBody>
                     <a:bodyPr/>
                     <a:lstStyle/>
@@ -6161,6 +6201,17 @@
                         <a:rPr lang="ko-KR" altLang="en-US" sz="1200" dirty="0"/>
                         <a:t> 따른 각기 다른 애니메이션 구현</a:t>
                       </a:r>
+                    </a:p>
+                  </a:txBody>
+                  <a:tcPr/>
+                </a:tc>
+                <a:tc hMerge="1">
+                  <a:txBody>
+                    <a:bodyPr/>
+                    <a:lstStyle/>
+                    <a:p>
+                      <a:pPr latinLnBrk="1"/>
+                      <a:endParaRPr lang="ko-KR" altLang="en-US"/>
                     </a:p>
                   </a:txBody>
                   <a:tcPr/>
@@ -6219,7 +6270,7 @@
                   </a:txBody>
                   <a:tcPr/>
                 </a:tc>
-                <a:tc>
+                <a:tc gridSpan="2">
                   <a:txBody>
                     <a:bodyPr/>
                     <a:lstStyle/>
@@ -6261,6 +6312,17 @@
                         <a:rPr lang="ko-KR" altLang="en-US" sz="1200" dirty="0"/>
                         <a:t>구현</a:t>
                       </a:r>
+                    </a:p>
+                  </a:txBody>
+                  <a:tcPr/>
+                </a:tc>
+                <a:tc hMerge="1">
+                  <a:txBody>
+                    <a:bodyPr/>
+                    <a:lstStyle/>
+                    <a:p>
+                      <a:pPr latinLnBrk="1"/>
+                      <a:endParaRPr lang="ko-KR" altLang="en-US"/>
                     </a:p>
                   </a:txBody>
                   <a:tcPr/>
@@ -6344,7 +6406,7 @@
                   </a:txBody>
                   <a:tcPr/>
                 </a:tc>
-                <a:tc>
+                <a:tc gridSpan="2">
                   <a:txBody>
                     <a:bodyPr/>
                     <a:lstStyle/>
@@ -6415,6 +6477,17 @@
                         <a:t>처리 구현</a:t>
                       </a:r>
                       <a:endParaRPr lang="en-US" altLang="ko-KR" sz="1200" dirty="0"/>
+                    </a:p>
+                  </a:txBody>
+                  <a:tcPr/>
+                </a:tc>
+                <a:tc hMerge="1">
+                  <a:txBody>
+                    <a:bodyPr/>
+                    <a:lstStyle/>
+                    <a:p>
+                      <a:pPr latinLnBrk="1"/>
+                      <a:endParaRPr lang="ko-KR" altLang="en-US"/>
                     </a:p>
                   </a:txBody>
                   <a:tcPr/>
@@ -6480,7 +6553,7 @@
                   </a:txBody>
                   <a:tcPr/>
                 </a:tc>
-                <a:tc>
+                <a:tc gridSpan="2">
                   <a:txBody>
                     <a:bodyPr/>
                     <a:lstStyle/>
@@ -6542,6 +6615,17 @@
                         <a:rPr lang="ko-KR" altLang="en-US" sz="1200" dirty="0"/>
                         <a:t>처리 구현</a:t>
                       </a:r>
+                    </a:p>
+                  </a:txBody>
+                  <a:tcPr/>
+                </a:tc>
+                <a:tc hMerge="1">
+                  <a:txBody>
+                    <a:bodyPr/>
+                    <a:lstStyle/>
+                    <a:p>
+                      <a:pPr latinLnBrk="1"/>
+                      <a:endParaRPr lang="ko-KR" altLang="en-US"/>
                     </a:p>
                   </a:txBody>
                   <a:tcPr/>
@@ -6600,7 +6684,7 @@
                   </a:txBody>
                   <a:tcPr/>
                 </a:tc>
-                <a:tc>
+                <a:tc gridSpan="2">
                   <a:txBody>
                     <a:bodyPr/>
                     <a:lstStyle/>
@@ -6654,6 +6738,17 @@
                         <a:rPr lang="ko-KR" altLang="en-US" sz="1200" dirty="0"/>
                         <a:t>종료 구현</a:t>
                       </a:r>
+                    </a:p>
+                  </a:txBody>
+                  <a:tcPr/>
+                </a:tc>
+                <a:tc hMerge="1">
+                  <a:txBody>
+                    <a:bodyPr/>
+                    <a:lstStyle/>
+                    <a:p>
+                      <a:pPr latinLnBrk="1"/>
+                      <a:endParaRPr lang="ko-KR" altLang="en-US"/>
                     </a:p>
                   </a:txBody>
                   <a:tcPr/>
@@ -6720,7 +6815,7 @@
                   </a:txBody>
                   <a:tcPr/>
                 </a:tc>
-                <a:tc>
+                <a:tc gridSpan="2">
                   <a:txBody>
                     <a:bodyPr/>
                     <a:lstStyle/>
@@ -6754,6 +6849,17 @@
                         <a:rPr lang="ko-KR" altLang="en-US" sz="1200" dirty="0"/>
                         <a:t>못다한 내용 추가 구현</a:t>
                       </a:r>
+                    </a:p>
+                  </a:txBody>
+                  <a:tcPr/>
+                </a:tc>
+                <a:tc hMerge="1">
+                  <a:txBody>
+                    <a:bodyPr/>
+                    <a:lstStyle/>
+                    <a:p>
+                      <a:pPr latinLnBrk="1"/>
+                      <a:endParaRPr lang="ko-KR" altLang="en-US"/>
                     </a:p>
                   </a:txBody>
                   <a:tcPr/>
@@ -6776,6 +6882,75 @@
                 <a:extLst>
                   <a:ext uri="{0D108BD9-81ED-4DB2-BD59-A6C34878D82A}">
                     <a16:rowId xmlns:a16="http://schemas.microsoft.com/office/drawing/2014/main" val="3691301504"/>
+                  </a:ext>
+                </a:extLst>
+              </a:tr>
+              <a:tr h="384020">
+                <a:tc gridSpan="3">
+                  <a:txBody>
+                    <a:bodyPr/>
+                    <a:lstStyle/>
+                    <a:p>
+                      <a:pPr algn="ctr" latinLnBrk="1"/>
+                      <a:r>
+                        <a:rPr lang="ko-KR" altLang="en-US" dirty="0"/>
+                        <a:t>전체 진행률</a:t>
+                      </a:r>
+                    </a:p>
+                  </a:txBody>
+                  <a:tcPr/>
+                </a:tc>
+                <a:tc hMerge="1">
+                  <a:txBody>
+                    <a:bodyPr/>
+                    <a:lstStyle/>
+                    <a:p>
+                      <a:pPr latinLnBrk="1"/>
+                      <a:endParaRPr lang="ko-KR" altLang="en-US" sz="1200" dirty="0"/>
+                    </a:p>
+                  </a:txBody>
+                  <a:tcPr/>
+                </a:tc>
+                <a:tc hMerge="1">
+                  <a:txBody>
+                    <a:bodyPr/>
+                    <a:lstStyle/>
+                    <a:p>
+                      <a:pPr latinLnBrk="1"/>
+                      <a:endParaRPr lang="ko-KR" altLang="en-US" sz="1200" dirty="0"/>
+                    </a:p>
+                  </a:txBody>
+                  <a:tcPr/>
+                </a:tc>
+                <a:tc gridSpan="2">
+                  <a:txBody>
+                    <a:bodyPr/>
+                    <a:lstStyle/>
+                    <a:p>
+                      <a:pPr algn="ctr" latinLnBrk="1"/>
+                      <a:r>
+                        <a:rPr lang="en-US" altLang="ko-KR" dirty="0"/>
+                        <a:t>40%</a:t>
+                      </a:r>
+                      <a:endParaRPr lang="ko-KR" altLang="en-US" dirty="0"/>
+                    </a:p>
+                  </a:txBody>
+                  <a:tcPr/>
+                </a:tc>
+                <a:tc hMerge="1">
+                  <a:txBody>
+                    <a:bodyPr/>
+                    <a:lstStyle/>
+                    <a:p>
+                      <a:pPr algn="ctr" latinLnBrk="1"/>
+                      <a:endParaRPr lang="ko-KR" altLang="en-US" sz="1200" dirty="0"/>
+                    </a:p>
+                  </a:txBody>
+                  <a:tcPr anchor="ctr"/>
+                </a:tc>
+                <a:extLst>
+                  <a:ext uri="{0D108BD9-81ED-4DB2-BD59-A6C34878D82A}">
+                    <a16:rowId xmlns:a16="http://schemas.microsoft.com/office/drawing/2014/main" val="4024259655"/>
                   </a:ext>
                 </a:extLst>
               </a:tr>
